--- a/2D Game Programing 3차 발표.pptx
+++ b/2D Game Programing 3차 발표.pptx
@@ -4001,7 +4001,7 @@
             <p:ph idx="1"/>
             <p:extLst>
               <p:ext uri="{D42A27DB-BD31-4B8C-83A1-F6EECF244321}">
-                <p14:modId xmlns:p14="http://schemas.microsoft.com/office/powerpoint/2010/main" val="2596893686"/>
+                <p14:modId xmlns:p14="http://schemas.microsoft.com/office/powerpoint/2010/main" val="3764059179"/>
               </p:ext>
             </p:extLst>
           </p:nvPr>
@@ -4107,7 +4107,7 @@
                       </a:r>
                       <a:r>
                         <a:rPr lang="ko-KR" altLang="en-US" sz="1600" dirty="0"/>
-                        <a:t> 수집                                                                  </a:t>
+                        <a:t> 수집                                                                   </a:t>
                       </a:r>
                       <a:r>
                         <a:rPr lang="en-US" altLang="ko-KR" sz="1600" b="1" dirty="0"/>
@@ -4251,7 +4251,7 @@
                       </a:r>
                       <a:r>
                         <a:rPr lang="ko-KR" altLang="en-US" sz="1600" dirty="0"/>
-                        <a:t>                     </a:t>
+                        <a:t>                      </a:t>
                       </a:r>
                       <a:r>
                         <a:rPr lang="en-US" altLang="ko-KR" sz="1600" b="1" dirty="0"/>
@@ -4359,7 +4359,7 @@
                       </a:r>
                       <a:r>
                         <a:rPr lang="ko-KR" altLang="en-US" sz="1600" dirty="0"/>
-                        <a:t>                       </a:t>
+                        <a:t>                        </a:t>
                       </a:r>
                       <a:r>
                         <a:rPr lang="en-US" altLang="ko-KR" sz="1600" b="1" dirty="0"/>
@@ -4444,7 +4444,7 @@
                       </a:pPr>
                       <a:r>
                         <a:rPr lang="ko-KR" altLang="en-US" sz="1600" dirty="0"/>
-                        <a:t>보스 움직임 구현      </a:t>
+                        <a:t>보스 움직임 구현                    </a:t>
                       </a:r>
                       <a:r>
                         <a:rPr lang="en-US" altLang="ko-KR" sz="1200" dirty="0">
@@ -4492,7 +4492,7 @@
                             <a:srgbClr val="C00000"/>
                           </a:solidFill>
                         </a:rPr>
-                        <a:t>                     </a:t>
+                        <a:t>    </a:t>
                       </a:r>
                       <a:r>
                         <a:rPr lang="en-US" altLang="ko-KR" sz="1600" b="1" dirty="0"/>
@@ -4632,7 +4632,7 @@
                       </a:r>
                       <a:r>
                         <a:rPr lang="ko-KR" altLang="en-US" sz="1600" dirty="0"/>
-                        <a:t>                          </a:t>
+                        <a:t>                           </a:t>
                       </a:r>
                       <a:r>
                         <a:rPr lang="en-US" altLang="ko-KR" sz="1600" b="1" dirty="0"/>
@@ -4716,7 +4716,7 @@
                       </a:r>
                       <a:r>
                         <a:rPr lang="en-US" altLang="ko-KR" sz="1600" dirty="0"/>
-                        <a:t>      </a:t>
+                        <a:t>                    </a:t>
                       </a:r>
                       <a:r>
                         <a:rPr lang="en-US" altLang="ko-KR" sz="1200" dirty="0">
@@ -4800,7 +4800,7 @@
                       </a:pPr>
                       <a:r>
                         <a:rPr lang="ko-KR" altLang="en-US" sz="1600" dirty="0"/>
-                        <a:t>박스 제거                </a:t>
+                        <a:t>박스 제거                              </a:t>
                       </a:r>
                       <a:r>
                         <a:rPr lang="en-US" altLang="ko-KR" sz="1200" dirty="0">
@@ -4932,7 +4932,7 @@
                       </a:r>
                       <a:r>
                         <a:rPr lang="ko-KR" altLang="en-US" sz="1200" dirty="0"/>
-                        <a:t> </a:t>
+                        <a:t>  </a:t>
                       </a:r>
                       <a:r>
                         <a:rPr lang="en-US" altLang="ko-KR" sz="1600" b="1" dirty="0"/>
@@ -5411,38 +5411,6 @@
           </a:p>
         </p:txBody>
       </p:sp>
-      <p:pic>
-        <p:nvPicPr>
-          <p:cNvPr id="5" name="내용 개체 틀 4">
-            <a:extLst>
-              <a:ext uri="{FF2B5EF4-FFF2-40B4-BE49-F238E27FC236}">
-                <a16:creationId xmlns:a16="http://schemas.microsoft.com/office/drawing/2014/main" id="{0E66434C-15B7-45B3-931F-457F7715A093}"/>
-              </a:ext>
-            </a:extLst>
-          </p:cNvPr>
-          <p:cNvPicPr>
-            <a:picLocks noGrp="1" noChangeAspect="1"/>
-          </p:cNvPicPr>
-          <p:nvPr>
-            <p:ph idx="1"/>
-          </p:nvPr>
-        </p:nvPicPr>
-        <p:blipFill>
-          <a:blip r:embed="rId2"/>
-          <a:stretch>
-            <a:fillRect/>
-          </a:stretch>
-        </p:blipFill>
-        <p:spPr>
-          <a:xfrm>
-            <a:off x="860257" y="1582092"/>
-            <a:ext cx="10471484" cy="3460591"/>
-          </a:xfrm>
-          <a:prstGeom prst="rect">
-            <a:avLst/>
-          </a:prstGeom>
-        </p:spPr>
-      </p:pic>
       <p:graphicFrame>
         <p:nvGraphicFramePr>
           <p:cNvPr id="13" name="표 13">
@@ -5458,7 +5426,7 @@
           <p:nvPr>
             <p:extLst>
               <p:ext uri="{D42A27DB-BD31-4B8C-83A1-F6EECF244321}">
-                <p14:modId xmlns:p14="http://schemas.microsoft.com/office/powerpoint/2010/main" val="3073117284"/>
+                <p14:modId xmlns:p14="http://schemas.microsoft.com/office/powerpoint/2010/main" val="936343608"/>
               </p:ext>
             </p:extLst>
           </p:nvPr>
@@ -5905,7 +5873,7 @@
                       <a:pPr algn="ctr" latinLnBrk="1"/>
                       <a:r>
                         <a:rPr lang="en-US" altLang="ko-KR" dirty="0"/>
-                        <a:t>75</a:t>
+                        <a:t>76</a:t>
                       </a:r>
                       <a:endParaRPr lang="ko-KR" altLang="en-US" dirty="0"/>
                     </a:p>
@@ -5955,7 +5923,7 @@
                 <a:solidFill>
                   <a:schemeClr val="accent2"/>
                 </a:solidFill>
-                <a:hlinkClick r:id="rId3">
+                <a:hlinkClick r:id="rId2">
                   <a:extLst>
                     <a:ext uri="{A12FA001-AC4F-418D-AE19-62706E023703}">
                       <ahyp:hlinkClr xmlns:ahyp="http://schemas.microsoft.com/office/drawing/2018/hyperlinkcolor" val="tx"/>
@@ -5973,6 +5941,36 @@
           </a:p>
         </p:txBody>
       </p:sp>
+      <p:pic>
+        <p:nvPicPr>
+          <p:cNvPr id="7" name="그림 6">
+            <a:extLst>
+              <a:ext uri="{FF2B5EF4-FFF2-40B4-BE49-F238E27FC236}">
+                <a16:creationId xmlns:a16="http://schemas.microsoft.com/office/drawing/2014/main" id="{C8939149-FDE2-4DCC-8FC4-A4021A6C8EEA}"/>
+              </a:ext>
+            </a:extLst>
+          </p:cNvPr>
+          <p:cNvPicPr>
+            <a:picLocks noChangeAspect="1"/>
+          </p:cNvPicPr>
+          <p:nvPr/>
+        </p:nvPicPr>
+        <p:blipFill>
+          <a:blip r:embed="rId3"/>
+          <a:stretch>
+            <a:fillRect/>
+          </a:stretch>
+        </p:blipFill>
+        <p:spPr>
+          <a:xfrm>
+            <a:off x="860256" y="1677144"/>
+            <a:ext cx="10471483" cy="3363117"/>
+          </a:xfrm>
+          <a:prstGeom prst="rect">
+            <a:avLst/>
+          </a:prstGeom>
+        </p:spPr>
+      </p:pic>
     </p:spTree>
     <p:extLst>
       <p:ext uri="{BB962C8B-B14F-4D97-AF65-F5344CB8AC3E}">
